--- a/presentation-source/05-implementing-rest.pptx
+++ b/presentation-source/05-implementing-rest.pptx
@@ -187,7 +187,7 @@
           <a:lstStyle>
             <a:lvl1pPr algn="l">
               <a:defRPr sz="1200">
-                <a:latin typeface="Calisto MT"/>
+                <a:latin typeface="Montserrat"/>
               </a:defRPr>
             </a:lvl1pPr>
           </a:lstStyle>
@@ -220,7 +220,7 @@
           <a:lstStyle>
             <a:lvl1pPr algn="r">
               <a:defRPr sz="1200">
-                <a:latin typeface="Calisto MT"/>
+                <a:latin typeface="Montserrat"/>
               </a:defRPr>
             </a:lvl1pPr>
           </a:lstStyle>
@@ -351,7 +351,7 @@
           <a:lstStyle>
             <a:lvl1pPr algn="l">
               <a:defRPr sz="1200">
-                <a:latin typeface="Calisto MT"/>
+                <a:latin typeface="Montserrat"/>
               </a:defRPr>
             </a:lvl1pPr>
           </a:lstStyle>
@@ -384,7 +384,7 @@
           <a:lstStyle>
             <a:lvl1pPr algn="r">
               <a:defRPr sz="1200">
-                <a:latin typeface="Calisto MT"/>
+                <a:latin typeface="Montserrat"/>
               </a:defRPr>
             </a:lvl1pPr>
           </a:lstStyle>
@@ -412,7 +412,7 @@
         <a:solidFill>
           <a:schemeClr val="tx1"/>
         </a:solidFill>
-        <a:latin typeface="Calisto MT"/>
+        <a:latin typeface="Montserrat"/>
         <a:ea typeface="+mn-ea"/>
         <a:cs typeface="+mn-cs"/>
       </a:defRPr>
@@ -422,7 +422,7 @@
         <a:solidFill>
           <a:schemeClr val="tx1"/>
         </a:solidFill>
-        <a:latin typeface="Calisto MT"/>
+        <a:latin typeface="Montserrat"/>
         <a:ea typeface="+mn-ea"/>
         <a:cs typeface="+mn-cs"/>
       </a:defRPr>
@@ -432,7 +432,7 @@
         <a:solidFill>
           <a:schemeClr val="tx1"/>
         </a:solidFill>
-        <a:latin typeface="Calisto MT"/>
+        <a:latin typeface="Montserrat"/>
         <a:ea typeface="+mn-ea"/>
         <a:cs typeface="+mn-cs"/>
       </a:defRPr>
@@ -442,7 +442,7 @@
         <a:solidFill>
           <a:schemeClr val="tx1"/>
         </a:solidFill>
-        <a:latin typeface="Calisto MT"/>
+        <a:latin typeface="Montserrat"/>
         <a:ea typeface="+mn-ea"/>
         <a:cs typeface="+mn-cs"/>
       </a:defRPr>
@@ -452,7 +452,7 @@
         <a:solidFill>
           <a:schemeClr val="tx1"/>
         </a:solidFill>
-        <a:latin typeface="Calisto MT"/>
+        <a:latin typeface="Montserrat"/>
         <a:ea typeface="+mn-ea"/>
         <a:cs typeface="+mn-cs"/>
       </a:defRPr>
@@ -3256,7 +3256,7 @@
       </p:sp>
       <p:sp>
         <p:nvSpPr>
-          <p:cNvPr id="21" name="TextBox 20"/>
+          <p:cNvPr id="6" name="TextBox 5"/>
           <p:cNvSpPr txBox="1">
             <a:spLocks noChangeArrowheads="1"/>
           </p:cNvSpPr>
@@ -3264,8 +3264,8 @@
         </p:nvSpPr>
         <p:spPr bwMode="auto">
           <a:xfrm>
-            <a:off x="1046163" y="6092834"/>
-            <a:ext cx="6595551" cy="707886"/>
+            <a:off x="1168930" y="6344711"/>
+            <a:ext cx="4942379" cy="415498"/>
           </a:xfrm>
           <a:prstGeom prst="rect">
             <a:avLst/>
@@ -3437,10 +3437,22 @@
               <a:defRPr/>
             </a:pPr>
             <a:r>
-              <a:rPr lang="en-US" sz="1000" dirty="0" smtClean="0">
-                <a:latin typeface="Calisto MT"/>
-              </a:rPr>
-              <a:t>© Paul Fremantle 2012.  Portions © Jeremy Gibbons 2010, © WSO2 2005-2012 used with permission of the author(s).</a:t>
+              <a:rPr lang="en-US" sz="700" dirty="0" smtClean="0">
+                <a:latin typeface="Montserrat"/>
+              </a:rPr>
+              <a:t>© Paul Fremantle </a:t>
+            </a:r>
+            <a:r>
+              <a:rPr lang="en-US" sz="700" dirty="0" smtClean="0">
+                <a:latin typeface="Montserrat"/>
+              </a:rPr>
+              <a:t>2016 except where credited elsewhere. </a:t>
+            </a:r>
+            <a:r>
+              <a:rPr lang="en-US" sz="700" dirty="0" smtClean="0">
+                <a:latin typeface="Montserrat"/>
+              </a:rPr>
+              <a:t> This work is licensed under a Creative Commons</a:t>
             </a:r>
           </a:p>
           <a:p>
@@ -3448,110 +3460,84 @@
               <a:defRPr/>
             </a:pPr>
             <a:r>
-              <a:rPr lang="en-US" sz="1000" dirty="0" smtClean="0">
-                <a:latin typeface="Calisto MT"/>
-              </a:rPr>
-              <a:t>Licensed under the Creative Commons 3.0 BY-SA (Attribution-</a:t>
-            </a:r>
-            <a:r>
-              <a:rPr lang="en-US" sz="1000" dirty="0" err="1" smtClean="0">
-                <a:latin typeface="Calisto MT"/>
-              </a:rPr>
-              <a:t>Sharealike</a:t>
-            </a:r>
-            <a:r>
-              <a:rPr lang="en-US" sz="1000" dirty="0" smtClean="0">
-                <a:latin typeface="Calisto MT"/>
-              </a:rPr>
-              <a:t>) license.</a:t>
-            </a:r>
-          </a:p>
-          <a:p>
-            <a:pPr algn="l" eaLnBrk="1" hangingPunct="1">
-              <a:defRPr/>
-            </a:pPr>
-            <a:r>
-              <a:rPr lang="en-US" sz="1000" dirty="0" smtClean="0">
-                <a:latin typeface="Calisto MT"/>
-              </a:rPr>
-              <a:t>See </a:t>
-            </a:r>
-            <a:r>
-              <a:rPr lang="en-US" sz="1000" dirty="0" smtClean="0">
-                <a:latin typeface="Calisto MT"/>
+              <a:rPr lang="en-US" sz="700" dirty="0" smtClean="0">
+                <a:latin typeface="Montserrat"/>
+              </a:rPr>
+              <a:t> Attribution-</a:t>
+            </a:r>
+            <a:r>
+              <a:rPr lang="en-US" sz="700" dirty="0" err="1" smtClean="0">
+                <a:latin typeface="Montserrat"/>
+              </a:rPr>
+              <a:t>NonCommercial</a:t>
+            </a:r>
+            <a:r>
+              <a:rPr lang="en-US" sz="700" dirty="0" smtClean="0">
+                <a:latin typeface="Montserrat"/>
+              </a:rPr>
+              <a:t>-</a:t>
+            </a:r>
+            <a:r>
+              <a:rPr lang="en-US" sz="700" dirty="0" err="1" smtClean="0">
+                <a:latin typeface="Montserrat"/>
+              </a:rPr>
+              <a:t>ShareAlike</a:t>
+            </a:r>
+            <a:r>
+              <a:rPr lang="en-US" sz="700" dirty="0" smtClean="0">
+                <a:latin typeface="Montserrat"/>
+              </a:rPr>
+              <a:t> 4.0 International License</a:t>
+            </a:r>
+            <a:br>
+              <a:rPr lang="en-US" sz="700" dirty="0" smtClean="0">
+                <a:latin typeface="Montserrat"/>
+              </a:rPr>
+            </a:br>
+            <a:r>
+              <a:rPr lang="en-US" sz="700" dirty="0" smtClean="0">
+                <a:latin typeface="Montserrat"/>
+              </a:rPr>
+              <a:t>See  </a:t>
+            </a:r>
+            <a:r>
+              <a:rPr lang="en-US" sz="700" dirty="0" smtClean="0">
+                <a:latin typeface="Montserrat"/>
                 <a:hlinkClick r:id="rId13"/>
               </a:rPr>
-              <a:t>http://creativecommons.org/licenses/by-sa/3.0/</a:t>
-            </a:r>
-            <a:r>
-              <a:rPr lang="en-US" sz="1000" dirty="0" smtClean="0">
-                <a:latin typeface="Calisto MT"/>
+              <a:t>http://creativecommons.org/licenses/by-nc-sa/4.0/</a:t>
+            </a:r>
+            <a:r>
+              <a:rPr lang="en-US" sz="700" dirty="0" smtClean="0">
+                <a:latin typeface="Montserrat"/>
               </a:rPr>
               <a:t> </a:t>
             </a:r>
-          </a:p>
-          <a:p>
-            <a:pPr algn="l" eaLnBrk="1" hangingPunct="1">
-              <a:defRPr/>
-            </a:pPr>
-            <a:endParaRPr lang="en-US" sz="1000" dirty="0" smtClean="0">
-              <a:latin typeface="Calisto MT"/>
-            </a:endParaRPr>
           </a:p>
         </p:txBody>
       </p:sp>
       <p:pic>
         <p:nvPicPr>
-          <p:cNvPr id="24" name="Picture 23"/>
+          <p:cNvPr id="7" name="Picture 6"/>
           <p:cNvPicPr>
-            <a:picLocks noChangeAspect="1" noChangeArrowheads="1"/>
+            <a:picLocks noChangeAspect="1"/>
           </p:cNvPicPr>
           <p:nvPr userDrawn="1"/>
         </p:nvPicPr>
         <p:blipFill>
-          <a:blip r:embed="rId14">
-            <a:extLst>
-              <a:ext uri="{28A0092B-C50C-407E-A947-70E740481C1C}">
-                <a14:useLocalDpi xmlns:a14="http://schemas.microsoft.com/office/drawing/2010/main" val="0"/>
-              </a:ext>
-            </a:extLst>
-          </a:blip>
-          <a:srcRect/>
+          <a:blip r:embed="rId14"/>
           <a:stretch>
             <a:fillRect/>
           </a:stretch>
         </p:blipFill>
-        <p:spPr bwMode="auto">
+        <p:spPr>
           <a:xfrm>
-            <a:off x="320764" y="6254746"/>
-            <a:ext cx="725399" cy="258097"/>
+            <a:off x="375635" y="6428175"/>
+            <a:ext cx="792765" cy="279269"/>
           </a:xfrm>
           <a:prstGeom prst="rect">
             <a:avLst/>
           </a:prstGeom>
-          <a:noFill/>
-          <a:ln>
-            <a:noFill/>
-          </a:ln>
-          <a:extLst>
-            <a:ext uri="{909E8E84-426E-40dd-AFC4-6F175D3DCCD1}">
-              <a14:hiddenFill xmlns:a14="http://schemas.microsoft.com/office/drawing/2010/main">
-                <a:solidFill>
-                  <a:srgbClr val="FFFFFF"/>
-                </a:solidFill>
-              </a14:hiddenFill>
-            </a:ext>
-            <a:ext uri="{91240B29-F687-4f45-9708-019B960494DF}">
-              <a14:hiddenLine xmlns:a14="http://schemas.microsoft.com/office/drawing/2010/main" w="9525">
-                <a:solidFill>
-                  <a:srgbClr val="000000"/>
-                </a:solidFill>
-                <a:miter lim="800000"/>
-                <a:headEnd/>
-                <a:tailEnd/>
-              </a14:hiddenLine>
-            </a:ext>
-          </a:extLst>
         </p:spPr>
       </p:pic>
     </p:spTree>
@@ -3586,7 +3572,7 @@
           <a:solidFill>
             <a:schemeClr val="tx1"/>
           </a:solidFill>
-          <a:latin typeface="Calisto MT"/>
+          <a:latin typeface="Montserrat"/>
           <a:ea typeface="+mj-ea"/>
           <a:cs typeface="+mj-cs"/>
         </a:defRPr>
@@ -3603,7 +3589,7 @@
           <a:solidFill>
             <a:schemeClr val="tx1"/>
           </a:solidFill>
-          <a:latin typeface="Calisto MT"/>
+          <a:latin typeface="Montserrat"/>
           <a:ea typeface="+mn-ea"/>
           <a:cs typeface="+mn-cs"/>
         </a:defRPr>
@@ -3618,7 +3604,7 @@
           <a:solidFill>
             <a:schemeClr val="tx1"/>
           </a:solidFill>
-          <a:latin typeface="Calisto MT"/>
+          <a:latin typeface="Montserrat"/>
           <a:ea typeface="+mn-ea"/>
           <a:cs typeface="+mn-cs"/>
         </a:defRPr>
@@ -3633,7 +3619,7 @@
           <a:solidFill>
             <a:schemeClr val="tx1"/>
           </a:solidFill>
-          <a:latin typeface="Calisto MT"/>
+          <a:latin typeface="Montserrat"/>
           <a:ea typeface="+mn-ea"/>
           <a:cs typeface="+mn-cs"/>
         </a:defRPr>
@@ -3648,7 +3634,7 @@
           <a:solidFill>
             <a:schemeClr val="tx1"/>
           </a:solidFill>
-          <a:latin typeface="Calisto MT"/>
+          <a:latin typeface="Montserrat"/>
           <a:ea typeface="+mn-ea"/>
           <a:cs typeface="+mn-cs"/>
         </a:defRPr>
@@ -3663,7 +3649,7 @@
           <a:solidFill>
             <a:schemeClr val="tx1"/>
           </a:solidFill>
-          <a:latin typeface="Calisto MT"/>
+          <a:latin typeface="Montserrat"/>
           <a:ea typeface="+mn-ea"/>
           <a:cs typeface="+mn-cs"/>
         </a:defRPr>
@@ -3880,7 +3866,9 @@
         </p:nvSpPr>
         <p:spPr/>
         <p:txBody>
-          <a:bodyPr/>
+          <a:bodyPr>
+            <a:normAutofit fontScale="92500" lnSpcReduction="20000"/>
+          </a:bodyPr>
           <a:lstStyle/>
           <a:p>
             <a:r>
@@ -5255,7 +5243,7 @@
         <p:spPr/>
         <p:txBody>
           <a:bodyPr>
-            <a:normAutofit fontScale="70000" lnSpcReduction="20000"/>
+            <a:normAutofit fontScale="62500" lnSpcReduction="20000"/>
           </a:bodyPr>
           <a:lstStyle/>
           <a:p>
@@ -5539,7 +5527,7 @@
         <p:spPr/>
         <p:txBody>
           <a:bodyPr>
-            <a:normAutofit fontScale="77500" lnSpcReduction="20000"/>
+            <a:normAutofit fontScale="70000" lnSpcReduction="20000"/>
           </a:bodyPr>
           <a:lstStyle/>
           <a:p>
@@ -6954,64 +6942,106 @@
             <a:pPr marL="0" indent="0">
               <a:buNone/>
             </a:pPr>
-            <a:endParaRPr lang="en-US" b="1" dirty="0" smtClean="0"/>
+            <a:endParaRPr lang="en-US" dirty="0" smtClean="0">
+              <a:latin typeface="Lucida Sans Typewriter"/>
+              <a:cs typeface="Lucida Sans Typewriter"/>
+            </a:endParaRPr>
           </a:p>
           <a:p>
             <a:pPr marL="0" indent="0">
               <a:buNone/>
             </a:pPr>
-            <a:endParaRPr lang="en-US" b="1" dirty="0"/>
+            <a:endParaRPr lang="en-US" dirty="0">
+              <a:latin typeface="Lucida Sans Typewriter"/>
+              <a:cs typeface="Lucida Sans Typewriter"/>
+            </a:endParaRPr>
           </a:p>
           <a:p>
             <a:pPr marL="0" indent="0">
               <a:buNone/>
             </a:pPr>
             <a:r>
-              <a:rPr lang="en-US" b="1" dirty="0" smtClean="0"/>
+              <a:rPr lang="en-US" dirty="0" smtClean="0">
+                <a:latin typeface="Lucida Sans Typewriter"/>
+                <a:cs typeface="Lucida Sans Typewriter"/>
+              </a:rPr>
               <a:t>return </a:t>
             </a:r>
             <a:r>
-              <a:rPr lang="en-US" b="1" dirty="0" err="1"/>
+              <a:rPr lang="en-US" dirty="0" err="1">
+                <a:latin typeface="Lucida Sans Typewriter"/>
+                <a:cs typeface="Lucida Sans Typewriter"/>
+              </a:rPr>
               <a:t>Response.ok</a:t>
             </a:r>
             <a:r>
-              <a:rPr lang="en-US" b="1" dirty="0"/>
+              <a:rPr lang="en-US" dirty="0">
+                <a:latin typeface="Lucida Sans Typewriter"/>
+                <a:cs typeface="Lucida Sans Typewriter"/>
+              </a:rPr>
               <a:t>().</a:t>
             </a:r>
             <a:r>
-              <a:rPr lang="en-US" b="1" i="1" dirty="0"/>
+              <a:rPr lang="en-US" i="1" dirty="0">
+                <a:latin typeface="Lucida Sans Typewriter"/>
+                <a:cs typeface="Lucida Sans Typewriter"/>
+              </a:rPr>
               <a:t>entity</a:t>
             </a:r>
             <a:r>
-              <a:rPr lang="en-US" b="1" i="1" dirty="0" smtClean="0"/>
+              <a:rPr lang="en-US" i="1" dirty="0" smtClean="0">
+                <a:latin typeface="Lucida Sans Typewriter"/>
+                <a:cs typeface="Lucida Sans Typewriter"/>
+              </a:rPr>
               <a:t>(</a:t>
             </a:r>
             <a:r>
-              <a:rPr lang="en-US" b="1" i="1" dirty="0" err="1" smtClean="0"/>
+              <a:rPr lang="en-US" i="1" dirty="0" err="1" smtClean="0">
+                <a:latin typeface="Lucida Sans Typewriter"/>
+                <a:cs typeface="Lucida Sans Typewriter"/>
+              </a:rPr>
               <a:t>response_body</a:t>
             </a:r>
             <a:r>
-              <a:rPr lang="en-US" b="1" i="1" dirty="0" smtClean="0"/>
+              <a:rPr lang="en-US" i="1" dirty="0" smtClean="0">
+                <a:latin typeface="Lucida Sans Typewriter"/>
+                <a:cs typeface="Lucida Sans Typewriter"/>
+              </a:rPr>
               <a:t>)</a:t>
             </a:r>
             <a:r>
-              <a:rPr lang="en-US" b="1" dirty="0"/>
+              <a:rPr lang="en-US" dirty="0">
+                <a:latin typeface="Lucida Sans Typewriter"/>
+                <a:cs typeface="Lucida Sans Typewriter"/>
+              </a:rPr>
               <a:t>.build()</a:t>
             </a:r>
             <a:r>
-              <a:rPr lang="en-US" b="1" dirty="0" smtClean="0"/>
+              <a:rPr lang="en-US" dirty="0" smtClean="0">
+                <a:latin typeface="Lucida Sans Typewriter"/>
+                <a:cs typeface="Lucida Sans Typewriter"/>
+              </a:rPr>
               <a:t>;</a:t>
             </a:r>
             <a:br>
-              <a:rPr lang="en-US" b="1" dirty="0" smtClean="0"/>
+              <a:rPr lang="en-US" dirty="0" smtClean="0">
+                <a:latin typeface="Lucida Sans Typewriter"/>
+                <a:cs typeface="Lucida Sans Typewriter"/>
+              </a:rPr>
             </a:br>
-            <a:endParaRPr lang="en-US" b="1" dirty="0" smtClean="0"/>
+            <a:endParaRPr lang="en-US" dirty="0" smtClean="0">
+              <a:latin typeface="Lucida Sans Typewriter"/>
+              <a:cs typeface="Lucida Sans Typewriter"/>
+            </a:endParaRPr>
           </a:p>
           <a:p>
             <a:pPr marL="0" indent="0">
               <a:buNone/>
             </a:pPr>
-            <a:endParaRPr lang="en-US" dirty="0"/>
+            <a:endParaRPr lang="en-US" dirty="0">
+              <a:latin typeface="Lucida Sans Typewriter"/>
+              <a:cs typeface="Lucida Sans Typewriter"/>
+            </a:endParaRPr>
           </a:p>
         </p:txBody>
       </p:sp>
@@ -7158,7 +7188,7 @@
         <p:spPr/>
         <p:txBody>
           <a:bodyPr>
-            <a:normAutofit fontScale="77500" lnSpcReduction="20000"/>
+            <a:normAutofit fontScale="70000" lnSpcReduction="20000"/>
           </a:bodyPr>
           <a:lstStyle/>
           <a:p>
@@ -7355,7 +7385,7 @@
         <p:spPr/>
         <p:txBody>
           <a:bodyPr>
-            <a:normAutofit fontScale="70000" lnSpcReduction="20000"/>
+            <a:normAutofit fontScale="62500" lnSpcReduction="20000"/>
           </a:bodyPr>
           <a:lstStyle/>
           <a:p>
@@ -7558,7 +7588,9 @@
         </p:nvSpPr>
         <p:spPr/>
         <p:txBody>
-          <a:bodyPr/>
+          <a:bodyPr>
+            <a:normAutofit fontScale="90000"/>
+          </a:bodyPr>
           <a:lstStyle/>
           <a:p>
             <a:r>
@@ -8479,7 +8511,9 @@
         </p:nvSpPr>
         <p:spPr/>
         <p:txBody>
-          <a:bodyPr/>
+          <a:bodyPr>
+            <a:normAutofit fontScale="92500"/>
+          </a:bodyPr>
           <a:lstStyle/>
           <a:p>
             <a:r>
@@ -10533,14 +10567,27 @@
         </p:nvSpPr>
         <p:spPr/>
         <p:txBody>
-          <a:bodyPr/>
+          <a:bodyPr>
+            <a:normAutofit fontScale="90000"/>
+          </a:bodyPr>
           <a:lstStyle/>
           <a:p>
             <a:r>
               <a:rPr lang="en-US" dirty="0" smtClean="0"/>
-              <a:t>REST frameworks</a:t>
-            </a:r>
-            <a:endParaRPr lang="en-US" dirty="0"/>
+              <a:t>REST </a:t>
+            </a:r>
+            <a:r>
+              <a:rPr lang="en-US" dirty="0" smtClean="0"/>
+              <a:t>frameworks</a:t>
+            </a:r>
+            <a:br>
+              <a:rPr lang="en-US" dirty="0" smtClean="0"/>
+            </a:br>
+            <a:r>
+              <a:rPr lang="en-US" i="1" dirty="0" smtClean="0"/>
+              <a:t>Too many to list</a:t>
+            </a:r>
+            <a:endParaRPr lang="en-US" i="1" dirty="0"/>
           </a:p>
         </p:txBody>
       </p:sp>
@@ -10690,7 +10737,9 @@
         </p:nvSpPr>
         <p:spPr/>
         <p:txBody>
-          <a:bodyPr/>
+          <a:bodyPr>
+            <a:normAutofit fontScale="90000"/>
+          </a:bodyPr>
           <a:lstStyle/>
           <a:p>
             <a:r>
@@ -10972,7 +11021,7 @@
         <p:spPr/>
         <p:txBody>
           <a:bodyPr>
-            <a:normAutofit fontScale="77500" lnSpcReduction="20000"/>
+            <a:normAutofit fontScale="70000" lnSpcReduction="20000"/>
           </a:bodyPr>
           <a:lstStyle/>
           <a:p>

--- a/presentation-source/05-implementing-rest.pptx
+++ b/presentation-source/05-implementing-rest.pptx
@@ -228,7 +228,7 @@
             <a:fld id="{7307762F-A706-E543-A832-3C298AA3103F}" type="datetimeFigureOut">
               <a:rPr lang="en-US" smtClean="0"/>
               <a:pPr/>
-              <a:t>10/06/16</a:t>
+              <a:t>07/05/17</a:t>
             </a:fld>
             <a:endParaRPr lang="en-US" dirty="0"/>
           </a:p>
@@ -795,7 +795,7 @@
           <a:p>
             <a:fld id="{875CF0EB-321F-0749-B37A-89BBA859503C}" type="datetimeFigureOut">
               <a:rPr lang="en-US" smtClean="0"/>
-              <a:t>10/06/16</a:t>
+              <a:t>07/05/17</a:t>
             </a:fld>
             <a:endParaRPr lang="en-US"/>
           </a:p>
@@ -999,7 +999,7 @@
           <a:p>
             <a:fld id="{875CF0EB-321F-0749-B37A-89BBA859503C}" type="datetimeFigureOut">
               <a:rPr lang="en-US" smtClean="0"/>
-              <a:t>10/06/16</a:t>
+              <a:t>07/05/17</a:t>
             </a:fld>
             <a:endParaRPr lang="en-US"/>
           </a:p>
@@ -1193,7 +1193,7 @@
           <a:p>
             <a:fld id="{875CF0EB-321F-0749-B37A-89BBA859503C}" type="datetimeFigureOut">
               <a:rPr lang="en-US" smtClean="0"/>
-              <a:t>10/06/16</a:t>
+              <a:t>07/05/17</a:t>
             </a:fld>
             <a:endParaRPr lang="en-US"/>
           </a:p>
@@ -1463,7 +1463,7 @@
           <a:p>
             <a:fld id="{875CF0EB-321F-0749-B37A-89BBA859503C}" type="datetimeFigureOut">
               <a:rPr lang="en-US" smtClean="0"/>
-              <a:t>10/06/16</a:t>
+              <a:t>07/05/17</a:t>
             </a:fld>
             <a:endParaRPr lang="en-US"/>
           </a:p>
@@ -1775,7 +1775,7 @@
           <a:p>
             <a:fld id="{875CF0EB-321F-0749-B37A-89BBA859503C}" type="datetimeFigureOut">
               <a:rPr lang="en-US" smtClean="0"/>
-              <a:t>10/06/16</a:t>
+              <a:t>07/05/17</a:t>
             </a:fld>
             <a:endParaRPr lang="en-US"/>
           </a:p>
@@ -2221,7 +2221,7 @@
           <a:p>
             <a:fld id="{875CF0EB-321F-0749-B37A-89BBA859503C}" type="datetimeFigureOut">
               <a:rPr lang="en-US" smtClean="0"/>
-              <a:t>10/06/16</a:t>
+              <a:t>07/05/17</a:t>
             </a:fld>
             <a:endParaRPr lang="en-US"/>
           </a:p>
@@ -2363,7 +2363,7 @@
           <a:p>
             <a:fld id="{875CF0EB-321F-0749-B37A-89BBA859503C}" type="datetimeFigureOut">
               <a:rPr lang="en-US" smtClean="0"/>
-              <a:t>10/06/16</a:t>
+              <a:t>07/05/17</a:t>
             </a:fld>
             <a:endParaRPr lang="en-US"/>
           </a:p>
@@ -2482,7 +2482,7 @@
           <a:p>
             <a:fld id="{875CF0EB-321F-0749-B37A-89BBA859503C}" type="datetimeFigureOut">
               <a:rPr lang="en-US" smtClean="0"/>
-              <a:t>10/06/16</a:t>
+              <a:t>07/05/17</a:t>
             </a:fld>
             <a:endParaRPr lang="en-US"/>
           </a:p>
@@ -2783,7 +2783,7 @@
           <a:p>
             <a:fld id="{875CF0EB-321F-0749-B37A-89BBA859503C}" type="datetimeFigureOut">
               <a:rPr lang="en-US" smtClean="0"/>
-              <a:t>10/06/16</a:t>
+              <a:t>07/05/17</a:t>
             </a:fld>
             <a:endParaRPr lang="en-US"/>
           </a:p>
@@ -3060,7 +3060,7 @@
           <a:p>
             <a:fld id="{875CF0EB-321F-0749-B37A-89BBA859503C}" type="datetimeFigureOut">
               <a:rPr lang="en-US" smtClean="0"/>
-              <a:t>10/06/16</a:t>
+              <a:t>07/05/17</a:t>
             </a:fld>
             <a:endParaRPr lang="en-US"/>
           </a:p>
@@ -3440,19 +3440,7 @@
               <a:rPr lang="en-US" sz="700" dirty="0" smtClean="0">
                 <a:latin typeface="Montserrat"/>
               </a:rPr>
-              <a:t>© Paul Fremantle </a:t>
-            </a:r>
-            <a:r>
-              <a:rPr lang="en-US" sz="700" dirty="0" smtClean="0">
-                <a:latin typeface="Montserrat"/>
-              </a:rPr>
-              <a:t>2016 except where credited elsewhere. </a:t>
-            </a:r>
-            <a:r>
-              <a:rPr lang="en-US" sz="700" dirty="0" smtClean="0">
-                <a:latin typeface="Montserrat"/>
-              </a:rPr>
-              <a:t> This work is licensed under a Creative Commons</a:t>
+              <a:t>© Paul Fremantle 2016 except where credited elsewhere.  This work is licensed under a Creative Commons</a:t>
             </a:r>
           </a:p>
           <a:p>
@@ -3890,11 +3878,11 @@
           </a:p>
           <a:p>
             <a:r>
-              <a:rPr lang="en-US" dirty="0" smtClean="0">
+              <a:rPr lang="en-US" smtClean="0">
                 <a:ea typeface="ヒラギノ角ゴ ProN W3" charset="0"/>
                 <a:cs typeface="ヒラギノ角ゴ ProN W3" charset="0"/>
               </a:rPr>
-              <a:t>June 2016</a:t>
+              <a:t>May 2017</a:t>
             </a:r>
             <a:endParaRPr lang="en-US" dirty="0">
               <a:ea typeface="ヒラギノ角ゴ ProN W3" charset="0"/>
@@ -6979,21 +6967,34 @@
                 <a:latin typeface="Lucida Sans Typewriter"/>
                 <a:cs typeface="Lucida Sans Typewriter"/>
               </a:rPr>
-              <a:t>().</a:t>
-            </a:r>
-            <a:r>
-              <a:rPr lang="en-US" i="1" dirty="0">
+              <a:t>()</a:t>
+            </a:r>
+            <a:r>
+              <a:rPr lang="en-US" dirty="0" smtClean="0">
                 <a:latin typeface="Lucida Sans Typewriter"/>
                 <a:cs typeface="Lucida Sans Typewriter"/>
               </a:rPr>
-              <a:t>entity</a:t>
+              <a:t>.</a:t>
+            </a:r>
+            <a:br>
+              <a:rPr lang="en-US" dirty="0" smtClean="0">
+                <a:latin typeface="Lucida Sans Typewriter"/>
+                <a:cs typeface="Lucida Sans Typewriter"/>
+              </a:rPr>
+            </a:br>
+            <a:r>
+              <a:rPr lang="en-US" dirty="0" smtClean="0">
+                <a:latin typeface="Lucida Sans Typewriter"/>
+                <a:cs typeface="Lucida Sans Typewriter"/>
+              </a:rPr>
+              <a:t>	</a:t>
             </a:r>
             <a:r>
               <a:rPr lang="en-US" i="1" dirty="0" smtClean="0">
                 <a:latin typeface="Lucida Sans Typewriter"/>
                 <a:cs typeface="Lucida Sans Typewriter"/>
               </a:rPr>
-              <a:t>(</a:t>
+              <a:t>entity(</a:t>
             </a:r>
             <a:r>
               <a:rPr lang="en-US" i="1" dirty="0" err="1" smtClean="0">
@@ -10574,11 +10575,7 @@
           <a:p>
             <a:r>
               <a:rPr lang="en-US" dirty="0" smtClean="0"/>
-              <a:t>REST </a:t>
-            </a:r>
-            <a:r>
-              <a:rPr lang="en-US" dirty="0" smtClean="0"/>
-              <a:t>frameworks</a:t>
+              <a:t>REST frameworks</a:t>
             </a:r>
             <a:br>
               <a:rPr lang="en-US" dirty="0" smtClean="0"/>

--- a/presentation-source/05-implementing-rest.pptx
+++ b/presentation-source/05-implementing-rest.pptx
@@ -228,7 +228,7 @@
             <a:fld id="{7307762F-A706-E543-A832-3C298AA3103F}" type="datetimeFigureOut">
               <a:rPr lang="en-US" smtClean="0"/>
               <a:pPr/>
-              <a:t>07/05/17</a:t>
+              <a:t>23/05/17</a:t>
             </a:fld>
             <a:endParaRPr lang="en-US" dirty="0"/>
           </a:p>
@@ -795,7 +795,7 @@
           <a:p>
             <a:fld id="{875CF0EB-321F-0749-B37A-89BBA859503C}" type="datetimeFigureOut">
               <a:rPr lang="en-US" smtClean="0"/>
-              <a:t>07/05/17</a:t>
+              <a:t>23/05/17</a:t>
             </a:fld>
             <a:endParaRPr lang="en-US"/>
           </a:p>
@@ -999,7 +999,7 @@
           <a:p>
             <a:fld id="{875CF0EB-321F-0749-B37A-89BBA859503C}" type="datetimeFigureOut">
               <a:rPr lang="en-US" smtClean="0"/>
-              <a:t>07/05/17</a:t>
+              <a:t>23/05/17</a:t>
             </a:fld>
             <a:endParaRPr lang="en-US"/>
           </a:p>
@@ -1193,7 +1193,7 @@
           <a:p>
             <a:fld id="{875CF0EB-321F-0749-B37A-89BBA859503C}" type="datetimeFigureOut">
               <a:rPr lang="en-US" smtClean="0"/>
-              <a:t>07/05/17</a:t>
+              <a:t>23/05/17</a:t>
             </a:fld>
             <a:endParaRPr lang="en-US"/>
           </a:p>
@@ -1463,7 +1463,7 @@
           <a:p>
             <a:fld id="{875CF0EB-321F-0749-B37A-89BBA859503C}" type="datetimeFigureOut">
               <a:rPr lang="en-US" smtClean="0"/>
-              <a:t>07/05/17</a:t>
+              <a:t>23/05/17</a:t>
             </a:fld>
             <a:endParaRPr lang="en-US"/>
           </a:p>
@@ -1775,7 +1775,7 @@
           <a:p>
             <a:fld id="{875CF0EB-321F-0749-B37A-89BBA859503C}" type="datetimeFigureOut">
               <a:rPr lang="en-US" smtClean="0"/>
-              <a:t>07/05/17</a:t>
+              <a:t>23/05/17</a:t>
             </a:fld>
             <a:endParaRPr lang="en-US"/>
           </a:p>
@@ -2221,7 +2221,7 @@
           <a:p>
             <a:fld id="{875CF0EB-321F-0749-B37A-89BBA859503C}" type="datetimeFigureOut">
               <a:rPr lang="en-US" smtClean="0"/>
-              <a:t>07/05/17</a:t>
+              <a:t>23/05/17</a:t>
             </a:fld>
             <a:endParaRPr lang="en-US"/>
           </a:p>
@@ -2363,7 +2363,7 @@
           <a:p>
             <a:fld id="{875CF0EB-321F-0749-B37A-89BBA859503C}" type="datetimeFigureOut">
               <a:rPr lang="en-US" smtClean="0"/>
-              <a:t>07/05/17</a:t>
+              <a:t>23/05/17</a:t>
             </a:fld>
             <a:endParaRPr lang="en-US"/>
           </a:p>
@@ -2482,7 +2482,7 @@
           <a:p>
             <a:fld id="{875CF0EB-321F-0749-B37A-89BBA859503C}" type="datetimeFigureOut">
               <a:rPr lang="en-US" smtClean="0"/>
-              <a:t>07/05/17</a:t>
+              <a:t>23/05/17</a:t>
             </a:fld>
             <a:endParaRPr lang="en-US"/>
           </a:p>
@@ -2783,7 +2783,7 @@
           <a:p>
             <a:fld id="{875CF0EB-321F-0749-B37A-89BBA859503C}" type="datetimeFigureOut">
               <a:rPr lang="en-US" smtClean="0"/>
-              <a:t>07/05/17</a:t>
+              <a:t>23/05/17</a:t>
             </a:fld>
             <a:endParaRPr lang="en-US"/>
           </a:p>
@@ -3060,7 +3060,7 @@
           <a:p>
             <a:fld id="{875CF0EB-321F-0749-B37A-89BBA859503C}" type="datetimeFigureOut">
               <a:rPr lang="en-US" smtClean="0"/>
-              <a:t>07/05/17</a:t>
+              <a:t>23/05/17</a:t>
             </a:fld>
             <a:endParaRPr lang="en-US"/>
           </a:p>
@@ -3904,6 +3904,13 @@
   <p:clrMapOvr>
     <a:masterClrMapping/>
   </p:clrMapOvr>
+  <p:timing>
+    <p:tnLst>
+      <p:par>
+        <p:cTn xmlns:p14="http://schemas.microsoft.com/office/powerpoint/2010/main" id="1" dur="indefinite" restart="never" nodeType="tmRoot"/>
+      </p:par>
+    </p:tnLst>
+  </p:timing>
 </p:sld>
 </file>
 
@@ -3962,7 +3969,8 @@
           <a:bodyPr/>
           <a:lstStyle/>
           <a:p>
-            <a:pPr>
+            <a:pPr marL="0" indent="0">
+              <a:buNone/>
               <a:tabLst>
                 <a:tab pos="656722" algn="l"/>
                 <a:tab pos="1313444" algn="l"/>
@@ -3987,7 +3995,8 @@
             </a:r>
           </a:p>
           <a:p>
-            <a:pPr>
+            <a:pPr marL="0" indent="0">
+              <a:buNone/>
               <a:tabLst>
                 <a:tab pos="656722" algn="l"/>
                 <a:tab pos="1313444" algn="l"/>
@@ -4028,7 +4037,8 @@
             </a:r>
           </a:p>
           <a:p>
-            <a:pPr>
+            <a:pPr marL="0" indent="0">
+              <a:buNone/>
               <a:tabLst>
                 <a:tab pos="656722" algn="l"/>
                 <a:tab pos="1313444" algn="l"/>
@@ -4053,7 +4063,8 @@
             </a:r>
           </a:p>
           <a:p>
-            <a:pPr>
+            <a:pPr marL="0" indent="0">
+              <a:buNone/>
               <a:tabLst>
                 <a:tab pos="656722" algn="l"/>
                 <a:tab pos="1313444" algn="l"/>
@@ -4094,7 +4105,8 @@
             </a:r>
           </a:p>
           <a:p>
-            <a:pPr>
+            <a:pPr marL="0" indent="0">
+              <a:buNone/>
               <a:tabLst>
                 <a:tab pos="656722" algn="l"/>
                 <a:tab pos="1313444" algn="l"/>
@@ -4119,6 +4131,9 @@
             </a:r>
           </a:p>
           <a:p>
+            <a:pPr marL="0" indent="0">
+              <a:buNone/>
+            </a:pPr>
             <a:endParaRPr lang="en-US" dirty="0"/>
           </a:p>
         </p:txBody>
@@ -7133,6 +7148,13 @@
   <p:clrMapOvr>
     <a:masterClrMapping/>
   </p:clrMapOvr>
+  <p:timing>
+    <p:tnLst>
+      <p:par>
+        <p:cTn xmlns:p14="http://schemas.microsoft.com/office/powerpoint/2010/main" id="1" dur="indefinite" restart="never" nodeType="tmRoot"/>
+      </p:par>
+    </p:tnLst>
+  </p:timing>
 </p:sld>
 </file>
 
@@ -9520,6 +9542,13 @@
   <p:clrMapOvr>
     <a:masterClrMapping/>
   </p:clrMapOvr>
+  <p:timing>
+    <p:tnLst>
+      <p:par>
+        <p:cTn xmlns:p14="http://schemas.microsoft.com/office/powerpoint/2010/main" id="1" dur="indefinite" restart="never" nodeType="tmRoot"/>
+      </p:par>
+    </p:tnLst>
+  </p:timing>
 </p:sld>
 </file>
 
@@ -10536,6 +10565,13 @@
   <p:clrMapOvr>
     <a:masterClrMapping/>
   </p:clrMapOvr>
+  <p:timing>
+    <p:tnLst>
+      <p:par>
+        <p:cTn xmlns:p14="http://schemas.microsoft.com/office/powerpoint/2010/main" id="1" dur="indefinite" restart="never" nodeType="tmRoot"/>
+      </p:par>
+    </p:tnLst>
+  </p:timing>
 </p:sld>
 </file>
 
@@ -10702,6 +10738,13 @@
   <p:clrMapOvr>
     <a:masterClrMapping/>
   </p:clrMapOvr>
+  <p:timing>
+    <p:tnLst>
+      <p:par>
+        <p:cTn xmlns:p14="http://schemas.microsoft.com/office/powerpoint/2010/main" id="1" dur="indefinite" restart="never" nodeType="tmRoot"/>
+      </p:par>
+    </p:tnLst>
+  </p:timing>
 </p:sld>
 </file>
 
@@ -10799,6 +10842,13 @@
   <p:clrMapOvr>
     <a:masterClrMapping/>
   </p:clrMapOvr>
+  <p:timing>
+    <p:tnLst>
+      <p:par>
+        <p:cTn xmlns:p14="http://schemas.microsoft.com/office/powerpoint/2010/main" id="1" dur="indefinite" restart="never" nodeType="tmRoot"/>
+      </p:par>
+    </p:tnLst>
+  </p:timing>
 </p:sld>
 </file>
 
@@ -10900,6 +10950,13 @@
   <p:clrMapOvr>
     <a:masterClrMapping/>
   </p:clrMapOvr>
+  <p:timing>
+    <p:tnLst>
+      <p:par>
+        <p:cTn xmlns:p14="http://schemas.microsoft.com/office/powerpoint/2010/main" id="1" dur="indefinite" restart="never" nodeType="tmRoot"/>
+      </p:par>
+    </p:tnLst>
+  </p:timing>
 </p:sld>
 </file>
 
@@ -10962,6 +11019,13 @@
   <p:clrMapOvr>
     <a:masterClrMapping/>
   </p:clrMapOvr>
+  <p:timing>
+    <p:tnLst>
+      <p:par>
+        <p:cTn xmlns:p14="http://schemas.microsoft.com/office/powerpoint/2010/main" id="1" dur="indefinite" restart="never" nodeType="tmRoot"/>
+      </p:par>
+    </p:tnLst>
+  </p:timing>
 </p:sld>
 </file>
 

--- a/presentation-source/05-implementing-rest.pptx
+++ b/presentation-source/05-implementing-rest.pptx
@@ -228,7 +228,7 @@
             <a:fld id="{7307762F-A706-E543-A832-3C298AA3103F}" type="datetimeFigureOut">
               <a:rPr lang="en-US" smtClean="0"/>
               <a:pPr/>
-              <a:t>23/05/17</a:t>
+              <a:t>18/12/17</a:t>
             </a:fld>
             <a:endParaRPr lang="en-US" dirty="0"/>
           </a:p>
@@ -795,7 +795,7 @@
           <a:p>
             <a:fld id="{875CF0EB-321F-0749-B37A-89BBA859503C}" type="datetimeFigureOut">
               <a:rPr lang="en-US" smtClean="0"/>
-              <a:t>23/05/17</a:t>
+              <a:t>18/12/17</a:t>
             </a:fld>
             <a:endParaRPr lang="en-US"/>
           </a:p>
@@ -999,7 +999,7 @@
           <a:p>
             <a:fld id="{875CF0EB-321F-0749-B37A-89BBA859503C}" type="datetimeFigureOut">
               <a:rPr lang="en-US" smtClean="0"/>
-              <a:t>23/05/17</a:t>
+              <a:t>18/12/17</a:t>
             </a:fld>
             <a:endParaRPr lang="en-US"/>
           </a:p>
@@ -1193,7 +1193,7 @@
           <a:p>
             <a:fld id="{875CF0EB-321F-0749-B37A-89BBA859503C}" type="datetimeFigureOut">
               <a:rPr lang="en-US" smtClean="0"/>
-              <a:t>23/05/17</a:t>
+              <a:t>18/12/17</a:t>
             </a:fld>
             <a:endParaRPr lang="en-US"/>
           </a:p>
@@ -1463,7 +1463,7 @@
           <a:p>
             <a:fld id="{875CF0EB-321F-0749-B37A-89BBA859503C}" type="datetimeFigureOut">
               <a:rPr lang="en-US" smtClean="0"/>
-              <a:t>23/05/17</a:t>
+              <a:t>18/12/17</a:t>
             </a:fld>
             <a:endParaRPr lang="en-US"/>
           </a:p>
@@ -1775,7 +1775,7 @@
           <a:p>
             <a:fld id="{875CF0EB-321F-0749-B37A-89BBA859503C}" type="datetimeFigureOut">
               <a:rPr lang="en-US" smtClean="0"/>
-              <a:t>23/05/17</a:t>
+              <a:t>18/12/17</a:t>
             </a:fld>
             <a:endParaRPr lang="en-US"/>
           </a:p>
@@ -2221,7 +2221,7 @@
           <a:p>
             <a:fld id="{875CF0EB-321F-0749-B37A-89BBA859503C}" type="datetimeFigureOut">
               <a:rPr lang="en-US" smtClean="0"/>
-              <a:t>23/05/17</a:t>
+              <a:t>18/12/17</a:t>
             </a:fld>
             <a:endParaRPr lang="en-US"/>
           </a:p>
@@ -2363,7 +2363,7 @@
           <a:p>
             <a:fld id="{875CF0EB-321F-0749-B37A-89BBA859503C}" type="datetimeFigureOut">
               <a:rPr lang="en-US" smtClean="0"/>
-              <a:t>23/05/17</a:t>
+              <a:t>18/12/17</a:t>
             </a:fld>
             <a:endParaRPr lang="en-US"/>
           </a:p>
@@ -2482,7 +2482,7 @@
           <a:p>
             <a:fld id="{875CF0EB-321F-0749-B37A-89BBA859503C}" type="datetimeFigureOut">
               <a:rPr lang="en-US" smtClean="0"/>
-              <a:t>23/05/17</a:t>
+              <a:t>18/12/17</a:t>
             </a:fld>
             <a:endParaRPr lang="en-US"/>
           </a:p>
@@ -2783,7 +2783,7 @@
           <a:p>
             <a:fld id="{875CF0EB-321F-0749-B37A-89BBA859503C}" type="datetimeFigureOut">
               <a:rPr lang="en-US" smtClean="0"/>
-              <a:t>23/05/17</a:t>
+              <a:t>18/12/17</a:t>
             </a:fld>
             <a:endParaRPr lang="en-US"/>
           </a:p>
@@ -3060,7 +3060,7 @@
           <a:p>
             <a:fld id="{875CF0EB-321F-0749-B37A-89BBA859503C}" type="datetimeFigureOut">
               <a:rPr lang="en-US" smtClean="0"/>
-              <a:t>23/05/17</a:t>
+              <a:t>18/12/17</a:t>
             </a:fld>
             <a:endParaRPr lang="en-US"/>
           </a:p>
@@ -3878,11 +3878,11 @@
           </a:p>
           <a:p>
             <a:r>
-              <a:rPr lang="en-US" smtClean="0">
+              <a:rPr lang="en-US" dirty="0" smtClean="0">
                 <a:ea typeface="ヒラギノ角ゴ ProN W3" charset="0"/>
                 <a:cs typeface="ヒラギノ角ゴ ProN W3" charset="0"/>
               </a:rPr>
-              <a:t>May 2017</a:t>
+              <a:t>January 2018</a:t>
             </a:r>
             <a:endParaRPr lang="en-US" dirty="0">
               <a:ea typeface="ヒラギノ角ゴ ProN W3" charset="0"/>
@@ -10997,14 +10997,14 @@
             </a:pPr>
             <a:r>
               <a:rPr lang="en-US" sz="13800" dirty="0" err="1" smtClean="0">
-                <a:latin typeface="Bauhaus 93"/>
-                <a:cs typeface="Bauhaus 93"/>
+                <a:latin typeface="Avenir Black"/>
+                <a:cs typeface="Avenir Black"/>
               </a:rPr>
               <a:t>ymmv</a:t>
             </a:r>
             <a:endParaRPr lang="en-US" sz="13800" dirty="0">
-              <a:latin typeface="Bauhaus 93"/>
-              <a:cs typeface="Bauhaus 93"/>
+              <a:latin typeface="Avenir Black"/>
+              <a:cs typeface="Avenir Black"/>
             </a:endParaRPr>
           </a:p>
         </p:txBody>
